--- a/Image/perceptron.pptx
+++ b/Image/perceptron.pptx
@@ -259,7 +259,7 @@
           <a:p>
             <a:fld id="{834E88A3-BF22-4637-92EF-2B8830360104}" type="datetimeFigureOut">
               <a:rPr lang="fr-FR" smtClean="0"/>
-              <a:t>02/07/2020</a:t>
+              <a:t>14/08/2020</a:t>
             </a:fld>
             <a:endParaRPr lang="fr-FR"/>
           </a:p>
@@ -457,7 +457,7 @@
           <a:p>
             <a:fld id="{834E88A3-BF22-4637-92EF-2B8830360104}" type="datetimeFigureOut">
               <a:rPr lang="fr-FR" smtClean="0"/>
-              <a:t>02/07/2020</a:t>
+              <a:t>14/08/2020</a:t>
             </a:fld>
             <a:endParaRPr lang="fr-FR"/>
           </a:p>
@@ -665,7 +665,7 @@
           <a:p>
             <a:fld id="{834E88A3-BF22-4637-92EF-2B8830360104}" type="datetimeFigureOut">
               <a:rPr lang="fr-FR" smtClean="0"/>
-              <a:t>02/07/2020</a:t>
+              <a:t>14/08/2020</a:t>
             </a:fld>
             <a:endParaRPr lang="fr-FR"/>
           </a:p>
@@ -863,7 +863,7 @@
           <a:p>
             <a:fld id="{834E88A3-BF22-4637-92EF-2B8830360104}" type="datetimeFigureOut">
               <a:rPr lang="fr-FR" smtClean="0"/>
-              <a:t>02/07/2020</a:t>
+              <a:t>14/08/2020</a:t>
             </a:fld>
             <a:endParaRPr lang="fr-FR"/>
           </a:p>
@@ -1138,7 +1138,7 @@
           <a:p>
             <a:fld id="{834E88A3-BF22-4637-92EF-2B8830360104}" type="datetimeFigureOut">
               <a:rPr lang="fr-FR" smtClean="0"/>
-              <a:t>02/07/2020</a:t>
+              <a:t>14/08/2020</a:t>
             </a:fld>
             <a:endParaRPr lang="fr-FR"/>
           </a:p>
@@ -1403,7 +1403,7 @@
           <a:p>
             <a:fld id="{834E88A3-BF22-4637-92EF-2B8830360104}" type="datetimeFigureOut">
               <a:rPr lang="fr-FR" smtClean="0"/>
-              <a:t>02/07/2020</a:t>
+              <a:t>14/08/2020</a:t>
             </a:fld>
             <a:endParaRPr lang="fr-FR"/>
           </a:p>
@@ -1815,7 +1815,7 @@
           <a:p>
             <a:fld id="{834E88A3-BF22-4637-92EF-2B8830360104}" type="datetimeFigureOut">
               <a:rPr lang="fr-FR" smtClean="0"/>
-              <a:t>02/07/2020</a:t>
+              <a:t>14/08/2020</a:t>
             </a:fld>
             <a:endParaRPr lang="fr-FR"/>
           </a:p>
@@ -1956,7 +1956,7 @@
           <a:p>
             <a:fld id="{834E88A3-BF22-4637-92EF-2B8830360104}" type="datetimeFigureOut">
               <a:rPr lang="fr-FR" smtClean="0"/>
-              <a:t>02/07/2020</a:t>
+              <a:t>14/08/2020</a:t>
             </a:fld>
             <a:endParaRPr lang="fr-FR"/>
           </a:p>
@@ -2069,7 +2069,7 @@
           <a:p>
             <a:fld id="{834E88A3-BF22-4637-92EF-2B8830360104}" type="datetimeFigureOut">
               <a:rPr lang="fr-FR" smtClean="0"/>
-              <a:t>02/07/2020</a:t>
+              <a:t>14/08/2020</a:t>
             </a:fld>
             <a:endParaRPr lang="fr-FR"/>
           </a:p>
@@ -2380,7 +2380,7 @@
           <a:p>
             <a:fld id="{834E88A3-BF22-4637-92EF-2B8830360104}" type="datetimeFigureOut">
               <a:rPr lang="fr-FR" smtClean="0"/>
-              <a:t>02/07/2020</a:t>
+              <a:t>14/08/2020</a:t>
             </a:fld>
             <a:endParaRPr lang="fr-FR"/>
           </a:p>
@@ -2668,7 +2668,7 @@
           <a:p>
             <a:fld id="{834E88A3-BF22-4637-92EF-2B8830360104}" type="datetimeFigureOut">
               <a:rPr lang="fr-FR" smtClean="0"/>
-              <a:t>02/07/2020</a:t>
+              <a:t>14/08/2020</a:t>
             </a:fld>
             <a:endParaRPr lang="fr-FR"/>
           </a:p>
@@ -2909,7 +2909,7 @@
           <a:p>
             <a:fld id="{834E88A3-BF22-4637-92EF-2B8830360104}" type="datetimeFigureOut">
               <a:rPr lang="fr-FR" smtClean="0"/>
-              <a:t>02/07/2020</a:t>
+              <a:t>14/08/2020</a:t>
             </a:fld>
             <a:endParaRPr lang="fr-FR"/>
           </a:p>
@@ -3369,8 +3369,8 @@
           </a:fontRef>
         </p:style>
       </p:cxnSp>
-      <mc:AlternateContent xmlns:mc="http://schemas.openxmlformats.org/markup-compatibility/2006">
-        <mc:Choice xmlns:a14="http://schemas.microsoft.com/office/drawing/2010/main" Requires="a14">
+      <mc:AlternateContent xmlns:mc="http://schemas.openxmlformats.org/markup-compatibility/2006" xmlns:a14="http://schemas.microsoft.com/office/drawing/2010/main">
+        <mc:Choice Requires="a14">
           <p:sp>
             <p:nvSpPr>
               <p:cNvPr id="4" name="Ellipse 3">
@@ -3454,7 +3454,7 @@
             </p:txBody>
           </p:sp>
         </mc:Choice>
-        <mc:Fallback>
+        <mc:Fallback xmlns="">
           <p:sp>
             <p:nvSpPr>
               <p:cNvPr id="4" name="Ellipse 3">
@@ -3572,12 +3572,31 @@
                           </m:r>
                         </m:e>
                         <m:sub>
-                          <m:r>
-                            <a:rPr lang="fr-BE" b="0" i="1" smtClean="0">
-                              <a:latin typeface="Cambria Math" panose="02040503050406030204" pitchFamily="18" charset="0"/>
-                            </a:rPr>
-                            <m:t>𝑛</m:t>
-                          </m:r>
+                          <m:sSub>
+                            <m:sSubPr>
+                              <m:ctrlPr>
+                                <a:rPr lang="fr-FR" b="0" i="1" smtClean="0">
+                                  <a:latin typeface="Cambria Math" panose="02040503050406030204" pitchFamily="18" charset="0"/>
+                                </a:rPr>
+                              </m:ctrlPr>
+                            </m:sSubPr>
+                            <m:e>
+                              <m:r>
+                                <a:rPr lang="fr-FR" b="0" i="1" smtClean="0">
+                                  <a:latin typeface="Cambria Math" panose="02040503050406030204" pitchFamily="18" charset="0"/>
+                                </a:rPr>
+                                <m:t>𝑁</m:t>
+                              </m:r>
+                            </m:e>
+                            <m:sub>
+                              <m:r>
+                                <a:rPr lang="fr-FR" b="0" i="1" smtClean="0">
+                                  <a:latin typeface="Cambria Math" panose="02040503050406030204" pitchFamily="18" charset="0"/>
+                                </a:rPr>
+                                <m:t>𝑖𝑛</m:t>
+                              </m:r>
+                            </m:sub>
+                          </m:sSub>
                         </m:sub>
                       </m:sSub>
                     </m:oMath>
@@ -3627,7 +3646,7 @@
               <a:lstStyle/>
               <a:p>
                 <a:r>
-                  <a:rPr lang="fr-FR">
+                  <a:rPr lang="fr-BE">
                     <a:noFill/>
                   </a:rPr>
                   <a:t> </a:t>
@@ -3775,8 +3794,8 @@
           </a:p>
         </p:txBody>
       </p:sp>
-      <mc:AlternateContent xmlns:mc="http://schemas.openxmlformats.org/markup-compatibility/2006">
-        <mc:Choice xmlns:a14="http://schemas.microsoft.com/office/drawing/2010/main" Requires="a14">
+      <mc:AlternateContent xmlns:mc="http://schemas.openxmlformats.org/markup-compatibility/2006" xmlns:a14="http://schemas.microsoft.com/office/drawing/2010/main">
+        <mc:Choice Requires="a14">
           <p:sp>
             <p:nvSpPr>
               <p:cNvPr id="9" name="Ellipse 8">
@@ -3861,7 +3880,7 @@
             </p:txBody>
           </p:sp>
         </mc:Choice>
-        <mc:Fallback>
+        <mc:Fallback xmlns="">
           <p:sp>
             <p:nvSpPr>
               <p:cNvPr id="9" name="Ellipse 8">
@@ -3910,8 +3929,8 @@
           </p:sp>
         </mc:Fallback>
       </mc:AlternateContent>
-      <mc:AlternateContent xmlns:mc="http://schemas.openxmlformats.org/markup-compatibility/2006">
-        <mc:Choice xmlns:a14="http://schemas.microsoft.com/office/drawing/2010/main" Requires="a14">
+      <mc:AlternateContent xmlns:mc="http://schemas.openxmlformats.org/markup-compatibility/2006" xmlns:a14="http://schemas.microsoft.com/office/drawing/2010/main">
+        <mc:Choice Requires="a14">
           <p:sp>
             <p:nvSpPr>
               <p:cNvPr id="10" name="Ellipse 9">
@@ -3980,7 +3999,7 @@
             </p:txBody>
           </p:sp>
         </mc:Choice>
-        <mc:Fallback>
+        <mc:Fallback xmlns="">
           <p:sp>
             <p:nvSpPr>
               <p:cNvPr id="10" name="Ellipse 9">
@@ -4072,8 +4091,8 @@
           </a:fontRef>
         </p:style>
       </p:cxnSp>
-      <mc:AlternateContent xmlns:mc="http://schemas.openxmlformats.org/markup-compatibility/2006">
-        <mc:Choice xmlns:a14="http://schemas.microsoft.com/office/drawing/2010/main" Requires="a14">
+      <mc:AlternateContent xmlns:mc="http://schemas.openxmlformats.org/markup-compatibility/2006" xmlns:a14="http://schemas.microsoft.com/office/drawing/2010/main">
+        <mc:Choice Requires="a14">
           <p:sp>
             <p:nvSpPr>
               <p:cNvPr id="16" name="Ellipse 15">
@@ -4143,7 +4162,7 @@
             </p:txBody>
           </p:sp>
         </mc:Choice>
-        <mc:Fallback>
+        <mc:Fallback xmlns="">
           <p:sp>
             <p:nvSpPr>
               <p:cNvPr id="16" name="Ellipse 15">
@@ -4209,9 +4228,9 @@
           <p:nvPr/>
         </p:nvCxnSpPr>
         <p:spPr>
-          <a:xfrm flipH="1">
-            <a:off x="3035950" y="2272844"/>
-            <a:ext cx="906" cy="357412"/>
+          <a:xfrm>
+            <a:off x="3035950" y="2380844"/>
+            <a:ext cx="0" cy="249412"/>
           </a:xfrm>
           <a:prstGeom prst="straightConnector1">
             <a:avLst/>
@@ -4251,8 +4270,8 @@
             </p:nvSpPr>
             <p:spPr>
               <a:xfrm>
-                <a:off x="2856856" y="1912844"/>
-                <a:ext cx="360000" cy="360000"/>
+                <a:off x="2801950" y="1912844"/>
+                <a:ext cx="468000" cy="468000"/>
               </a:xfrm>
               <a:prstGeom prst="ellipse">
                 <a:avLst/>
@@ -4278,7 +4297,7 @@
             </p:style>
             <p:txBody>
               <a:bodyPr rtlCol="0" anchor="ctr">
-                <a:normAutofit fontScale="55000" lnSpcReduction="20000"/>
+                <a:normAutofit fontScale="85000" lnSpcReduction="10000"/>
               </a:bodyPr>
               <a:lstStyle/>
               <a:p>
@@ -4339,8 +4358,8 @@
             </p:nvSpPr>
             <p:spPr>
               <a:xfrm>
-                <a:off x="2856856" y="1912844"/>
-                <a:ext cx="360000" cy="360000"/>
+                <a:off x="2801950" y="1912844"/>
+                <a:ext cx="468000" cy="468000"/>
               </a:xfrm>
               <a:prstGeom prst="ellipse">
                 <a:avLst/>
@@ -4361,7 +4380,7 @@
               <a:lstStyle/>
               <a:p>
                 <a:r>
-                  <a:rPr lang="fr-FR">
+                  <a:rPr lang="fr-BE">
                     <a:noFill/>
                   </a:rPr>
                   <a:t> </a:t>
@@ -4371,8 +4390,8 @@
           </p:sp>
         </mc:Fallback>
       </mc:AlternateContent>
-      <mc:AlternateContent xmlns:mc="http://schemas.openxmlformats.org/markup-compatibility/2006">
-        <mc:Choice xmlns:a14="http://schemas.microsoft.com/office/drawing/2010/main" Requires="a14">
+      <mc:AlternateContent xmlns:mc="http://schemas.openxmlformats.org/markup-compatibility/2006" xmlns:a14="http://schemas.microsoft.com/office/drawing/2010/main">
+        <mc:Choice Requires="a14">
           <p:sp>
             <p:nvSpPr>
               <p:cNvPr id="36" name="Ellipse 35">
@@ -4442,7 +4461,7 @@
             </p:txBody>
           </p:sp>
         </mc:Choice>
-        <mc:Fallback>
+        <mc:Fallback xmlns="">
           <p:sp>
             <p:nvSpPr>
               <p:cNvPr id="36" name="Ellipse 35">
@@ -4510,7 +4529,7 @@
         <p:spPr>
           <a:xfrm flipV="1">
             <a:off x="3035950" y="4611690"/>
-            <a:ext cx="0" cy="439745"/>
+            <a:ext cx="0" cy="368204"/>
           </a:xfrm>
           <a:prstGeom prst="straightConnector1">
             <a:avLst/>
@@ -4550,8 +4569,8 @@
             </p:nvSpPr>
             <p:spPr>
               <a:xfrm>
-                <a:off x="2855950" y="5051435"/>
-                <a:ext cx="360000" cy="360000"/>
+                <a:off x="2801950" y="4979894"/>
+                <a:ext cx="468000" cy="468000"/>
               </a:xfrm>
               <a:prstGeom prst="ellipse">
                 <a:avLst/>
@@ -4576,8 +4595,8 @@
               </a:fontRef>
             </p:style>
             <p:txBody>
-              <a:bodyPr rtlCol="0" anchor="ctr">
-                <a:normAutofit fontScale="55000" lnSpcReduction="20000"/>
+              <a:bodyPr wrap="none" lIns="0" rIns="0" rtlCol="0" anchor="ctr">
+                <a:noAutofit/>
               </a:bodyPr>
               <a:lstStyle/>
               <a:p>
@@ -4591,26 +4610,45 @@
                       <m:sSub>
                         <m:sSubPr>
                           <m:ctrlPr>
-                            <a:rPr lang="fr-BE" b="0" i="1" smtClean="0">
+                            <a:rPr lang="fr-BE" sz="1400" b="0" i="1" smtClean="0">
                               <a:latin typeface="Cambria Math" panose="02040503050406030204" pitchFamily="18" charset="0"/>
                             </a:rPr>
                           </m:ctrlPr>
                         </m:sSubPr>
                         <m:e>
                           <m:r>
-                            <a:rPr lang="fr-BE" b="0" i="1" smtClean="0">
+                            <a:rPr lang="fr-BE" sz="1400" b="0" i="1" smtClean="0">
                               <a:latin typeface="Cambria Math" panose="02040503050406030204" pitchFamily="18" charset="0"/>
                             </a:rPr>
                             <m:t>𝑤</m:t>
                           </m:r>
                         </m:e>
                         <m:sub>
-                          <m:r>
-                            <a:rPr lang="fr-BE" b="0" i="1" smtClean="0">
-                              <a:latin typeface="Cambria Math" panose="02040503050406030204" pitchFamily="18" charset="0"/>
-                            </a:rPr>
-                            <m:t>𝑛</m:t>
-                          </m:r>
+                          <m:sSub>
+                            <m:sSubPr>
+                              <m:ctrlPr>
+                                <a:rPr lang="fr-FR" sz="1400" b="0" i="1" smtClean="0">
+                                  <a:latin typeface="Cambria Math" panose="02040503050406030204" pitchFamily="18" charset="0"/>
+                                </a:rPr>
+                              </m:ctrlPr>
+                            </m:sSubPr>
+                            <m:e>
+                              <m:r>
+                                <a:rPr lang="fr-FR" sz="1400" b="0" i="1" smtClean="0">
+                                  <a:latin typeface="Cambria Math" panose="02040503050406030204" pitchFamily="18" charset="0"/>
+                                </a:rPr>
+                                <m:t>𝑁</m:t>
+                              </m:r>
+                            </m:e>
+                            <m:sub>
+                              <m:r>
+                                <a:rPr lang="fr-FR" sz="1400" b="0" i="1" smtClean="0">
+                                  <a:latin typeface="Cambria Math" panose="02040503050406030204" pitchFamily="18" charset="0"/>
+                                </a:rPr>
+                                <m:t>𝑖𝑛</m:t>
+                              </m:r>
+                            </m:sub>
+                          </m:sSub>
                         </m:sub>
                       </m:sSub>
                     </m:oMath>
@@ -4638,8 +4676,8 @@
             </p:nvSpPr>
             <p:spPr>
               <a:xfrm>
-                <a:off x="2855950" y="5051435"/>
-                <a:ext cx="360000" cy="360000"/>
+                <a:off x="2801950" y="4979894"/>
+                <a:ext cx="468000" cy="468000"/>
               </a:xfrm>
               <a:prstGeom prst="ellipse">
                 <a:avLst/>
@@ -4660,7 +4698,7 @@
               <a:lstStyle/>
               <a:p>
                 <a:r>
-                  <a:rPr lang="fr-FR">
+                  <a:rPr lang="fr-BE">
                     <a:noFill/>
                   </a:rPr>
                   <a:t> </a:t>
@@ -5152,8 +5190,8 @@
           </a:fontRef>
         </p:style>
       </p:cxnSp>
-      <mc:AlternateContent xmlns:mc="http://schemas.openxmlformats.org/markup-compatibility/2006">
-        <mc:Choice xmlns:a14="http://schemas.microsoft.com/office/drawing/2010/main" Requires="a14">
+      <mc:AlternateContent xmlns:mc="http://schemas.openxmlformats.org/markup-compatibility/2006" xmlns:a14="http://schemas.microsoft.com/office/drawing/2010/main">
+        <mc:Choice Requires="a14">
           <p:sp>
             <p:nvSpPr>
               <p:cNvPr id="104" name="ZoneTexte 103">
@@ -5245,7 +5283,7 @@
             </p:txBody>
           </p:sp>
         </mc:Choice>
-        <mc:Fallback>
+        <mc:Fallback xmlns="">
           <p:sp>
             <p:nvSpPr>
               <p:cNvPr id="104" name="ZoneTexte 103">
